--- a/ppt/PythonMath03-Yield.pptx
+++ b/ppt/PythonMath03-Yield.pptx
@@ -5,19 +5,20 @@
     <p:sldMasterId id="2147483653" r:id="rId1"/>
   </p:sldMasterIdLst>
   <p:notesMasterIdLst>
-    <p:notesMasterId r:id="rId9"/>
+    <p:notesMasterId r:id="rId10"/>
   </p:notesMasterIdLst>
   <p:handoutMasterIdLst>
-    <p:handoutMasterId r:id="rId10"/>
+    <p:handoutMasterId r:id="rId11"/>
   </p:handoutMasterIdLst>
   <p:sldIdLst>
     <p:sldId id="264" r:id="rId2"/>
-    <p:sldId id="265" r:id="rId3"/>
-    <p:sldId id="266" r:id="rId4"/>
-    <p:sldId id="267" r:id="rId5"/>
-    <p:sldId id="268" r:id="rId6"/>
-    <p:sldId id="269" r:id="rId7"/>
-    <p:sldId id="270" r:id="rId8"/>
+    <p:sldId id="271" r:id="rId3"/>
+    <p:sldId id="265" r:id="rId4"/>
+    <p:sldId id="266" r:id="rId5"/>
+    <p:sldId id="267" r:id="rId6"/>
+    <p:sldId id="268" r:id="rId7"/>
+    <p:sldId id="269" r:id="rId8"/>
+    <p:sldId id="270" r:id="rId9"/>
   </p:sldIdLst>
   <p:sldSz cx="9144000" cy="6858000" type="screen4x3"/>
   <p:notesSz cx="6648450" cy="9782175"/>
@@ -3695,11 +3696,7 @@
             <a:pPr eaLnBrk="1" hangingPunct="1"/>
             <a:r>
               <a:rPr lang="fr-FR" altLang="fr-FR" smtClean="0"/>
-              <a:t>Chapitre </a:t>
-            </a:r>
-            <a:r>
-              <a:rPr lang="fr-FR" altLang="fr-FR" smtClean="0"/>
-              <a:t>3</a:t>
+              <a:t>Chapitre 3</a:t>
             </a:r>
             <a:endParaRPr lang="fr-FR" altLang="fr-FR" dirty="0" smtClean="0"/>
           </a:p>
@@ -3818,6 +3815,14 @@
               <a:rPr lang="fr-FR" dirty="0" err="1" smtClean="0"/>
               <a:t>Map</a:t>
             </a:r>
+            <a:r>
+              <a:rPr lang="fr-FR" dirty="0" smtClean="0"/>
+              <a:t> </a:t>
+            </a:r>
+            <a:r>
+              <a:rPr lang="fr-FR" dirty="0" err="1" smtClean="0"/>
+              <a:t>Reduce</a:t>
+            </a:r>
             <a:endParaRPr lang="fr-FR" dirty="0"/>
           </a:p>
         </p:txBody>
@@ -3838,54 +3843,65 @@
           <a:lstStyle/>
           <a:p>
             <a:r>
-              <a:rPr lang="fr-FR" dirty="0" err="1" smtClean="0"/>
-              <a:t>Map</a:t>
-            </a:r>
-            <a:r>
               <a:rPr lang="fr-FR" dirty="0" smtClean="0"/>
-              <a:t> permet d’appliquer une fonction sur une collection</a:t>
+              <a:t>Algorithme de Google</a:t>
             </a:r>
           </a:p>
           <a:p>
             <a:pPr lvl="1"/>
             <a:r>
-              <a:rPr lang="en-US" dirty="0" smtClean="0"/>
-              <a:t>l= </a:t>
-            </a:r>
-            <a:r>
-              <a:rPr lang="en-US" dirty="0"/>
-              <a:t>["It's over 9000 !", "All your base are belong to us."]</a:t>
-            </a:r>
-          </a:p>
-          <a:p>
-            <a:pPr lvl="1"/>
-            <a:r>
-              <a:rPr lang="en-US" dirty="0"/>
-              <a:t>print(map(</a:t>
-            </a:r>
-            <a:r>
-              <a:rPr lang="en-US" dirty="0" err="1"/>
-              <a:t>unicode.upper</a:t>
-            </a:r>
-            <a:r>
-              <a:rPr lang="en-US" dirty="0"/>
-              <a:t>, </a:t>
-            </a:r>
-            <a:r>
-              <a:rPr lang="en-US" dirty="0" smtClean="0"/>
-              <a:t>l))</a:t>
-            </a:r>
-          </a:p>
-          <a:p>
-            <a:pPr lvl="1"/>
+              <a:rPr lang="fr-FR" dirty="0" smtClean="0"/>
+              <a:t>2004</a:t>
+            </a:r>
             <a:endParaRPr lang="fr-FR" dirty="0"/>
           </a:p>
         </p:txBody>
       </p:sp>
+      <p:pic>
+        <p:nvPicPr>
+          <p:cNvPr id="1026" name="Picture 2" descr="https://upload.wikimedia.org/wikipedia/commons/6/6d/Mapreduce.png"/>
+          <p:cNvPicPr>
+            <a:picLocks noChangeAspect="1" noChangeArrowheads="1"/>
+          </p:cNvPicPr>
+          <p:nvPr/>
+        </p:nvPicPr>
+        <p:blipFill>
+          <a:blip r:embed="rId2">
+            <a:extLst>
+              <a:ext uri="{28A0092B-C50C-407E-A947-70E740481C1C}">
+                <a14:useLocalDpi xmlns:a14="http://schemas.microsoft.com/office/drawing/2010/main" val="0"/>
+              </a:ext>
+            </a:extLst>
+          </a:blip>
+          <a:srcRect/>
+          <a:stretch>
+            <a:fillRect/>
+          </a:stretch>
+        </p:blipFill>
+        <p:spPr bwMode="auto">
+          <a:xfrm>
+            <a:off x="1187624" y="2798730"/>
+            <a:ext cx="6648673" cy="2268651"/>
+          </a:xfrm>
+          <a:prstGeom prst="rect">
+            <a:avLst/>
+          </a:prstGeom>
+          <a:noFill/>
+          <a:extLst>
+            <a:ext uri="{909E8E84-426E-40DD-AFC4-6F175D3DCCD1}">
+              <a14:hiddenFill xmlns:a14="http://schemas.microsoft.com/office/drawing/2010/main">
+                <a:solidFill>
+                  <a:srgbClr val="FFFFFF"/>
+                </a:solidFill>
+              </a14:hiddenFill>
+            </a:ext>
+          </a:extLst>
+        </p:spPr>
+      </p:pic>
     </p:spTree>
     <p:extLst>
       <p:ext uri="{BB962C8B-B14F-4D97-AF65-F5344CB8AC3E}">
-        <p14:creationId xmlns:p14="http://schemas.microsoft.com/office/powerpoint/2010/main" val="4076271740"/>
+        <p14:creationId xmlns:p14="http://schemas.microsoft.com/office/powerpoint/2010/main" val="2385257702"/>
       </p:ext>
     </p:extLst>
   </p:cSld>
@@ -3929,7 +3945,7 @@
           <a:p>
             <a:r>
               <a:rPr lang="fr-FR" dirty="0" err="1" smtClean="0"/>
-              <a:t>Reduce</a:t>
+              <a:t>Map</a:t>
             </a:r>
             <a:endParaRPr lang="fr-FR" dirty="0"/>
           </a:p>
@@ -3945,98 +3961,60 @@
             <p:ph idx="1"/>
           </p:nvPr>
         </p:nvSpPr>
-        <p:spPr>
-          <a:xfrm>
-            <a:off x="179512" y="1412776"/>
-            <a:ext cx="5439537" cy="5040560"/>
-          </a:xfrm>
-        </p:spPr>
+        <p:spPr/>
         <p:txBody>
           <a:bodyPr/>
           <a:lstStyle/>
           <a:p>
             <a:r>
-              <a:rPr lang="fr-FR" dirty="0"/>
-              <a:t>La fonction doit prendre deux paramètres en entrée, et retourner une </a:t>
+              <a:rPr lang="fr-FR" dirty="0" err="1" smtClean="0"/>
+              <a:t>Map</a:t>
             </a:r>
             <a:r>
               <a:rPr lang="fr-FR" dirty="0" smtClean="0"/>
-              <a:t>valeur</a:t>
-            </a:r>
-          </a:p>
-          <a:p>
-            <a:r>
-              <a:rPr lang="fr-FR" dirty="0" smtClean="0"/>
-              <a:t>Au </a:t>
-            </a:r>
-            <a:r>
-              <a:rPr lang="fr-FR" dirty="0"/>
-              <a:t>premier appel, les deux premiers éléments de l’</a:t>
-            </a:r>
-            <a:r>
-              <a:rPr lang="fr-FR" dirty="0" err="1"/>
-              <a:t>itérable</a:t>
-            </a:r>
-            <a:r>
-              <a:rPr lang="fr-FR" dirty="0"/>
-              <a:t> sont passés en </a:t>
-            </a:r>
-            <a:r>
-              <a:rPr lang="fr-FR" dirty="0" smtClean="0"/>
-              <a:t>paramètres</a:t>
-            </a:r>
-          </a:p>
-          <a:p>
-            <a:r>
-              <a:rPr lang="fr-FR" dirty="0" smtClean="0"/>
-              <a:t>Ensuite</a:t>
-            </a:r>
-            <a:r>
-              <a:rPr lang="fr-FR" dirty="0"/>
-              <a:t>, le résultat de cet appel et l’élément suivant sont passés en paramètre, et ainsi de </a:t>
-            </a:r>
-            <a:r>
-              <a:rPr lang="fr-FR" dirty="0" smtClean="0"/>
-              <a:t>suite</a:t>
-            </a:r>
-          </a:p>
-          <a:p>
-            <a:r>
-              <a:rPr lang="fr-FR" dirty="0" smtClean="0"/>
-              <a:t>Vous avez compris ?</a:t>
-            </a:r>
+              <a:t> permet d’appliquer une fonction sur une collection</a:t>
+            </a:r>
+          </a:p>
+          <a:p>
+            <a:pPr lvl="1"/>
+            <a:r>
+              <a:rPr lang="en-US" dirty="0" smtClean="0"/>
+              <a:t>l= </a:t>
+            </a:r>
+            <a:r>
+              <a:rPr lang="en-US" dirty="0"/>
+              <a:t>["It's over 9000 !", "All your base are belong to us."]</a:t>
+            </a:r>
+          </a:p>
+          <a:p>
+            <a:pPr lvl="1"/>
+            <a:r>
+              <a:rPr lang="en-US" dirty="0"/>
+              <a:t>print(map(</a:t>
+            </a:r>
+            <a:r>
+              <a:rPr lang="en-US" dirty="0" err="1"/>
+              <a:t>unicode.upper</a:t>
+            </a:r>
+            <a:r>
+              <a:rPr lang="en-US" dirty="0"/>
+              <a:t>, </a:t>
+            </a:r>
+            <a:r>
+              <a:rPr lang="en-US" dirty="0" smtClean="0"/>
+              <a:t>l))</a:t>
+            </a:r>
+          </a:p>
+          <a:p>
+            <a:pPr lvl="1"/>
             <a:endParaRPr lang="fr-FR" dirty="0"/>
           </a:p>
         </p:txBody>
       </p:sp>
-      <p:pic>
-        <p:nvPicPr>
-          <p:cNvPr id="4" name="Image 3"/>
-          <p:cNvPicPr>
-            <a:picLocks noChangeAspect="1"/>
-          </p:cNvPicPr>
-          <p:nvPr/>
-        </p:nvPicPr>
-        <p:blipFill>
-          <a:blip r:embed="rId2"/>
-          <a:stretch>
-            <a:fillRect/>
-          </a:stretch>
-        </p:blipFill>
-        <p:spPr>
-          <a:xfrm>
-            <a:off x="5619049" y="1412777"/>
-            <a:ext cx="3416850" cy="5040560"/>
-          </a:xfrm>
-          <a:prstGeom prst="rect">
-            <a:avLst/>
-          </a:prstGeom>
-        </p:spPr>
-      </p:pic>
     </p:spTree>
     <p:extLst>
       <p:ext uri="{BB962C8B-B14F-4D97-AF65-F5344CB8AC3E}">
-        <p14:creationId xmlns:p14="http://schemas.microsoft.com/office/powerpoint/2010/main" val="2450033746"/>
+        <p14:creationId xmlns:p14="http://schemas.microsoft.com/office/powerpoint/2010/main" val="4076271740"/>
       </p:ext>
     </p:extLst>
   </p:cSld>
@@ -4096,6 +4074,157 @@
             <p:ph idx="1"/>
           </p:nvPr>
         </p:nvSpPr>
+        <p:spPr>
+          <a:xfrm>
+            <a:off x="179512" y="1412776"/>
+            <a:ext cx="5439537" cy="5040560"/>
+          </a:xfrm>
+        </p:spPr>
+        <p:txBody>
+          <a:bodyPr/>
+          <a:lstStyle/>
+          <a:p>
+            <a:r>
+              <a:rPr lang="fr-FR" dirty="0"/>
+              <a:t>La fonction doit prendre deux paramètres en entrée, et retourner une </a:t>
+            </a:r>
+            <a:r>
+              <a:rPr lang="fr-FR" dirty="0" smtClean="0"/>
+              <a:t>valeur</a:t>
+            </a:r>
+          </a:p>
+          <a:p>
+            <a:r>
+              <a:rPr lang="fr-FR" dirty="0" smtClean="0"/>
+              <a:t>Au </a:t>
+            </a:r>
+            <a:r>
+              <a:rPr lang="fr-FR" dirty="0"/>
+              <a:t>premier appel, les deux premiers éléments de l’</a:t>
+            </a:r>
+            <a:r>
+              <a:rPr lang="fr-FR" dirty="0" err="1"/>
+              <a:t>itérable</a:t>
+            </a:r>
+            <a:r>
+              <a:rPr lang="fr-FR" dirty="0"/>
+              <a:t> sont passés en </a:t>
+            </a:r>
+            <a:r>
+              <a:rPr lang="fr-FR" dirty="0" smtClean="0"/>
+              <a:t>paramètres</a:t>
+            </a:r>
+          </a:p>
+          <a:p>
+            <a:r>
+              <a:rPr lang="fr-FR" dirty="0" smtClean="0"/>
+              <a:t>Ensuite</a:t>
+            </a:r>
+            <a:r>
+              <a:rPr lang="fr-FR" dirty="0"/>
+              <a:t>, le résultat de cet appel et l’élément suivant sont passés en paramètre, et ainsi de </a:t>
+            </a:r>
+            <a:r>
+              <a:rPr lang="fr-FR" dirty="0" smtClean="0"/>
+              <a:t>suite</a:t>
+            </a:r>
+          </a:p>
+          <a:p>
+            <a:r>
+              <a:rPr lang="fr-FR" dirty="0" smtClean="0"/>
+              <a:t>Vous avez compris ?</a:t>
+            </a:r>
+            <a:endParaRPr lang="fr-FR" dirty="0"/>
+          </a:p>
+        </p:txBody>
+      </p:sp>
+      <p:pic>
+        <p:nvPicPr>
+          <p:cNvPr id="4" name="Image 3"/>
+          <p:cNvPicPr>
+            <a:picLocks noChangeAspect="1"/>
+          </p:cNvPicPr>
+          <p:nvPr/>
+        </p:nvPicPr>
+        <p:blipFill>
+          <a:blip r:embed="rId2"/>
+          <a:stretch>
+            <a:fillRect/>
+          </a:stretch>
+        </p:blipFill>
+        <p:spPr>
+          <a:xfrm>
+            <a:off x="5619049" y="1412777"/>
+            <a:ext cx="3416850" cy="5040560"/>
+          </a:xfrm>
+          <a:prstGeom prst="rect">
+            <a:avLst/>
+          </a:prstGeom>
+        </p:spPr>
+      </p:pic>
+    </p:spTree>
+    <p:extLst>
+      <p:ext uri="{BB962C8B-B14F-4D97-AF65-F5344CB8AC3E}">
+        <p14:creationId xmlns:p14="http://schemas.microsoft.com/office/powerpoint/2010/main" val="2450033746"/>
+      </p:ext>
+    </p:extLst>
+  </p:cSld>
+  <p:clrMapOvr>
+    <a:masterClrMapping/>
+  </p:clrMapOvr>
+</p:sld>
+</file>
+
+<file path=ppt/slides/slide5.xml><?xml version="1.0" encoding="utf-8"?>
+<p:sld xmlns:a="http://schemas.openxmlformats.org/drawingml/2006/main" xmlns:r="http://schemas.openxmlformats.org/officeDocument/2006/relationships" xmlns:p="http://schemas.openxmlformats.org/presentationml/2006/main">
+  <p:cSld>
+    <p:spTree>
+      <p:nvGrpSpPr>
+        <p:cNvPr id="1" name=""/>
+        <p:cNvGrpSpPr/>
+        <p:nvPr/>
+      </p:nvGrpSpPr>
+      <p:grpSpPr>
+        <a:xfrm>
+          <a:off x="0" y="0"/>
+          <a:ext cx="0" cy="0"/>
+          <a:chOff x="0" y="0"/>
+          <a:chExt cx="0" cy="0"/>
+        </a:xfrm>
+      </p:grpSpPr>
+      <p:sp>
+        <p:nvSpPr>
+          <p:cNvPr id="2" name="Titre 1"/>
+          <p:cNvSpPr>
+            <a:spLocks noGrp="1"/>
+          </p:cNvSpPr>
+          <p:nvPr>
+            <p:ph type="title"/>
+          </p:nvPr>
+        </p:nvSpPr>
+        <p:spPr/>
+        <p:txBody>
+          <a:bodyPr/>
+          <a:lstStyle/>
+          <a:p>
+            <a:r>
+              <a:rPr lang="fr-FR" dirty="0" err="1" smtClean="0"/>
+              <a:t>Reduce</a:t>
+            </a:r>
+            <a:endParaRPr lang="fr-FR" dirty="0"/>
+          </a:p>
+        </p:txBody>
+      </p:sp>
+      <p:sp>
+        <p:nvSpPr>
+          <p:cNvPr id="3" name="Espace réservé du contenu 2"/>
+          <p:cNvSpPr>
+            <a:spLocks noGrp="1"/>
+          </p:cNvSpPr>
+          <p:nvPr>
+            <p:ph idx="1"/>
+          </p:nvPr>
+        </p:nvSpPr>
         <p:spPr/>
         <p:txBody>
           <a:bodyPr/>
@@ -4318,7 +4447,7 @@
 </p:sld>
 </file>
 
-<file path=ppt/slides/slide5.xml><?xml version="1.0" encoding="utf-8"?>
+<file path=ppt/slides/slide6.xml><?xml version="1.0" encoding="utf-8"?>
 <p:sld xmlns:a="http://schemas.openxmlformats.org/drawingml/2006/main" xmlns:r="http://schemas.openxmlformats.org/officeDocument/2006/relationships" xmlns:p="http://schemas.openxmlformats.org/presentationml/2006/main">
   <p:cSld>
     <p:spTree>
@@ -4483,7 +4612,7 @@
 </p:sld>
 </file>
 
-<file path=ppt/slides/slide6.xml><?xml version="1.0" encoding="utf-8"?>
+<file path=ppt/slides/slide7.xml><?xml version="1.0" encoding="utf-8"?>
 <p:sld xmlns:a="http://schemas.openxmlformats.org/drawingml/2006/main" xmlns:r="http://schemas.openxmlformats.org/officeDocument/2006/relationships" xmlns:p="http://schemas.openxmlformats.org/presentationml/2006/main">
   <p:cSld>
     <p:spTree>
@@ -4617,7 +4746,7 @@
 </p:sld>
 </file>
 
-<file path=ppt/slides/slide7.xml><?xml version="1.0" encoding="utf-8"?>
+<file path=ppt/slides/slide8.xml><?xml version="1.0" encoding="utf-8"?>
 <p:sld xmlns:a="http://schemas.openxmlformats.org/drawingml/2006/main" xmlns:r="http://schemas.openxmlformats.org/officeDocument/2006/relationships" xmlns:p="http://schemas.openxmlformats.org/presentationml/2006/main">
   <p:cSld>
     <p:spTree>
